--- a/Slides/slides_labcap_f14.pptx
+++ b/Slides/slides_labcap_f14.pptx
@@ -13,10 +13,10 @@
   <p:sldIdLst>
     <p:sldId id="256" r:id="rId2"/>
     <p:sldId id="479" r:id="rId3"/>
-    <p:sldId id="496" r:id="rId4"/>
-    <p:sldId id="499" r:id="rId5"/>
-    <p:sldId id="503" r:id="rId6"/>
-    <p:sldId id="497" r:id="rId7"/>
+    <p:sldId id="499" r:id="rId4"/>
+    <p:sldId id="503" r:id="rId5"/>
+    <p:sldId id="497" r:id="rId6"/>
+    <p:sldId id="504" r:id="rId7"/>
     <p:sldId id="500" r:id="rId8"/>
     <p:sldId id="498" r:id="rId9"/>
     <p:sldId id="391" r:id="rId10"/>
@@ -249,7 +249,7 @@
   </p:defaultTextStyle>
   <p:extLst>
     <p:ext uri="{EFAFB233-063F-42B5-8137-9DF3F51BA10A}">
-      <p15:sldGuideLst xmlns:p15="http://schemas.microsoft.com/office/powerpoint/2012/main" xmlns="">
+      <p15:sldGuideLst xmlns:p15="http://schemas.microsoft.com/office/powerpoint/2012/main">
         <p15:guide id="1" orient="horz" pos="2160">
           <p15:clr>
             <a:srgbClr val="A4A3A4"/>
@@ -348,7 +348,9 @@
             <c:showBubbleSize val="0"/>
             <c:showLeaderLines val="1"/>
             <c:extLst>
-              <c:ext xmlns:c15="http://schemas.microsoft.com/office/drawing/2012/chart" uri="{CE6537A1-D6FC-4f65-9D91-7224C49458BB}"/>
+              <c:ext xmlns:c15="http://schemas.microsoft.com/office/drawing/2012/chart" uri="{CE6537A1-D6FC-4f65-9D91-7224C49458BB}">
+                <c15:layout/>
+              </c:ext>
             </c:extLst>
           </c:dLbls>
           <c:cat>
@@ -545,11 +547,11 @@
           <c:showBubbleSize val="0"/>
         </c:dLbls>
         <c:gapWidth val="100"/>
-        <c:axId val="39996032"/>
-        <c:axId val="40018304"/>
+        <c:axId val="165923368"/>
+        <c:axId val="165923760"/>
       </c:barChart>
       <c:catAx>
-        <c:axId val="39996032"/>
+        <c:axId val="165923368"/>
         <c:scaling>
           <c:orientation val="minMax"/>
         </c:scaling>
@@ -584,7 +586,7 @@
             <a:endParaRPr lang="en-US"/>
           </a:p>
         </c:txPr>
-        <c:crossAx val="40018304"/>
+        <c:crossAx val="165923760"/>
         <c:crosses val="autoZero"/>
         <c:auto val="1"/>
         <c:lblAlgn val="ctr"/>
@@ -594,7 +596,7 @@
         <c:noMultiLvlLbl val="0"/>
       </c:catAx>
       <c:valAx>
-        <c:axId val="40018304"/>
+        <c:axId val="165923760"/>
         <c:scaling>
           <c:orientation val="minMax"/>
         </c:scaling>
@@ -629,7 +631,7 @@
             <a:endParaRPr lang="en-US"/>
           </a:p>
         </c:txPr>
-        <c:crossAx val="39996032"/>
+        <c:crossAx val="165923368"/>
         <c:crosses val="autoZero"/>
         <c:crossBetween val="between"/>
       </c:valAx>
@@ -802,11 +804,11 @@
           <c:showBubbleSize val="0"/>
         </c:dLbls>
         <c:gapWidth val="100"/>
-        <c:axId val="45078016"/>
-        <c:axId val="45079552"/>
+        <c:axId val="165924936"/>
+        <c:axId val="165925328"/>
       </c:barChart>
       <c:catAx>
-        <c:axId val="45078016"/>
+        <c:axId val="165924936"/>
         <c:scaling>
           <c:orientation val="minMax"/>
         </c:scaling>
@@ -841,7 +843,7 @@
             <a:endParaRPr lang="en-US"/>
           </a:p>
         </c:txPr>
-        <c:crossAx val="45079552"/>
+        <c:crossAx val="165925328"/>
         <c:crosses val="autoZero"/>
         <c:auto val="1"/>
         <c:lblAlgn val="ctr"/>
@@ -851,7 +853,7 @@
         <c:noMultiLvlLbl val="0"/>
       </c:catAx>
       <c:valAx>
-        <c:axId val="45079552"/>
+        <c:axId val="165925328"/>
         <c:scaling>
           <c:orientation val="minMax"/>
         </c:scaling>
@@ -886,7 +888,7 @@
             <a:endParaRPr lang="en-US"/>
           </a:p>
         </c:txPr>
-        <c:crossAx val="45078016"/>
+        <c:crossAx val="165924936"/>
         <c:crosses val="autoZero"/>
         <c:crossBetween val="between"/>
       </c:valAx>
@@ -1059,11 +1061,11 @@
           <c:showBubbleSize val="0"/>
         </c:dLbls>
         <c:gapWidth val="100"/>
-        <c:axId val="45156224"/>
-        <c:axId val="45157760"/>
+        <c:axId val="165926112"/>
+        <c:axId val="165926504"/>
       </c:barChart>
       <c:catAx>
-        <c:axId val="45156224"/>
+        <c:axId val="165926112"/>
         <c:scaling>
           <c:orientation val="minMax"/>
         </c:scaling>
@@ -1098,7 +1100,7 @@
             <a:endParaRPr lang="en-US"/>
           </a:p>
         </c:txPr>
-        <c:crossAx val="45157760"/>
+        <c:crossAx val="165926504"/>
         <c:crosses val="autoZero"/>
         <c:auto val="1"/>
         <c:lblAlgn val="ctr"/>
@@ -1108,7 +1110,7 @@
         <c:noMultiLvlLbl val="0"/>
       </c:catAx>
       <c:valAx>
-        <c:axId val="45157760"/>
+        <c:axId val="165926504"/>
         <c:scaling>
           <c:orientation val="minMax"/>
         </c:scaling>
@@ -1143,7 +1145,7 @@
             <a:endParaRPr lang="en-US"/>
           </a:p>
         </c:txPr>
-        <c:crossAx val="45156224"/>
+        <c:crossAx val="165926112"/>
         <c:crosses val="autoZero"/>
         <c:crossBetween val="between"/>
       </c:valAx>
@@ -1316,11 +1318,11 @@
           <c:showBubbleSize val="0"/>
         </c:dLbls>
         <c:gapWidth val="150"/>
-        <c:axId val="46018560"/>
-        <c:axId val="46020096"/>
+        <c:axId val="165927680"/>
+        <c:axId val="165928072"/>
       </c:barChart>
       <c:catAx>
-        <c:axId val="46018560"/>
+        <c:axId val="165927680"/>
         <c:scaling>
           <c:orientation val="minMax"/>
         </c:scaling>
@@ -1355,7 +1357,7 @@
             <a:endParaRPr lang="en-US"/>
           </a:p>
         </c:txPr>
-        <c:crossAx val="46020096"/>
+        <c:crossAx val="165928072"/>
         <c:crosses val="autoZero"/>
         <c:auto val="1"/>
         <c:lblAlgn val="ctr"/>
@@ -1365,7 +1367,7 @@
         <c:noMultiLvlLbl val="0"/>
       </c:catAx>
       <c:valAx>
-        <c:axId val="46020096"/>
+        <c:axId val="165928072"/>
         <c:scaling>
           <c:orientation val="minMax"/>
         </c:scaling>
@@ -1400,7 +1402,7 @@
             <a:endParaRPr lang="en-US"/>
           </a:p>
         </c:txPr>
-        <c:crossAx val="46018560"/>
+        <c:crossAx val="165927680"/>
         <c:crosses val="autoZero"/>
         <c:crossBetween val="between"/>
       </c:valAx>
@@ -1570,11 +1572,11 @@
           <c:showBubbleSize val="0"/>
         </c:dLbls>
         <c:gapWidth val="150"/>
-        <c:axId val="46070016"/>
-        <c:axId val="45948928"/>
+        <c:axId val="165928856"/>
+        <c:axId val="165929248"/>
       </c:barChart>
       <c:catAx>
-        <c:axId val="46070016"/>
+        <c:axId val="165928856"/>
         <c:scaling>
           <c:orientation val="minMax"/>
         </c:scaling>
@@ -1609,7 +1611,7 @@
             <a:endParaRPr lang="en-US"/>
           </a:p>
         </c:txPr>
-        <c:crossAx val="45948928"/>
+        <c:crossAx val="165929248"/>
         <c:crosses val="autoZero"/>
         <c:auto val="1"/>
         <c:lblAlgn val="ctr"/>
@@ -1619,7 +1621,7 @@
         <c:noMultiLvlLbl val="0"/>
       </c:catAx>
       <c:valAx>
-        <c:axId val="45948928"/>
+        <c:axId val="165929248"/>
         <c:scaling>
           <c:orientation val="minMax"/>
         </c:scaling>
@@ -1693,7 +1695,7 @@
             <a:endParaRPr lang="en-US"/>
           </a:p>
         </c:txPr>
-        <c:crossAx val="46070016"/>
+        <c:crossAx val="165928856"/>
         <c:crosses val="autoZero"/>
         <c:crossBetween val="between"/>
       </c:valAx>
@@ -1863,11 +1865,11 @@
           <c:showBubbleSize val="0"/>
         </c:dLbls>
         <c:gapWidth val="150"/>
-        <c:axId val="45978752"/>
-        <c:axId val="45980288"/>
+        <c:axId val="165930032"/>
+        <c:axId val="165930424"/>
       </c:barChart>
       <c:catAx>
-        <c:axId val="45978752"/>
+        <c:axId val="165930032"/>
         <c:scaling>
           <c:orientation val="minMax"/>
         </c:scaling>
@@ -1902,7 +1904,7 @@
             <a:endParaRPr lang="en-US"/>
           </a:p>
         </c:txPr>
-        <c:crossAx val="45980288"/>
+        <c:crossAx val="165930424"/>
         <c:crosses val="autoZero"/>
         <c:auto val="1"/>
         <c:lblAlgn val="ctr"/>
@@ -1912,7 +1914,7 @@
         <c:noMultiLvlLbl val="0"/>
       </c:catAx>
       <c:valAx>
-        <c:axId val="45980288"/>
+        <c:axId val="165930424"/>
         <c:scaling>
           <c:orientation val="minMax"/>
         </c:scaling>
@@ -1947,7 +1949,7 @@
             <a:endParaRPr lang="en-US"/>
           </a:p>
         </c:txPr>
-        <c:crossAx val="45978752"/>
+        <c:crossAx val="165930032"/>
         <c:crosses val="autoZero"/>
         <c:crossBetween val="between"/>
       </c:valAx>
@@ -2073,7 +2075,9 @@
               <c:showPercent val="0"/>
               <c:showBubbleSize val="0"/>
               <c:extLst>
-                <c:ext xmlns:c15="http://schemas.microsoft.com/office/drawing/2012/chart" uri="{CE6537A1-D6FC-4f65-9D91-7224C49458BB}"/>
+                <c:ext xmlns:c15="http://schemas.microsoft.com/office/drawing/2012/chart" uri="{CE6537A1-D6FC-4f65-9D91-7224C49458BB}">
+                  <c15:layout/>
+                </c:ext>
               </c:extLst>
             </c:dLbl>
             <c:dLbl>
@@ -2092,7 +2096,9 @@
               <c:showPercent val="0"/>
               <c:showBubbleSize val="0"/>
               <c:extLst>
-                <c:ext xmlns:c15="http://schemas.microsoft.com/office/drawing/2012/chart" uri="{CE6537A1-D6FC-4f65-9D91-7224C49458BB}"/>
+                <c:ext xmlns:c15="http://schemas.microsoft.com/office/drawing/2012/chart" uri="{CE6537A1-D6FC-4f65-9D91-7224C49458BB}">
+                  <c15:layout/>
+                </c:ext>
               </c:extLst>
             </c:dLbl>
             <c:spPr>
@@ -2111,7 +2117,9 @@
             <c:showBubbleSize val="0"/>
             <c:showLeaderLines val="1"/>
             <c:extLst>
-              <c:ext xmlns:c15="http://schemas.microsoft.com/office/drawing/2012/chart" uri="{CE6537A1-D6FC-4f65-9D91-7224C49458BB}"/>
+              <c:ext xmlns:c15="http://schemas.microsoft.com/office/drawing/2012/chart" uri="{CE6537A1-D6FC-4f65-9D91-7224C49458BB}">
+                <c15:layout/>
+              </c:ext>
             </c:extLst>
           </c:dLbls>
           <c:cat>
@@ -2264,7 +2272,9 @@
               <c:showPercent val="0"/>
               <c:showBubbleSize val="0"/>
               <c:extLst>
-                <c:ext xmlns:c15="http://schemas.microsoft.com/office/drawing/2012/chart" uri="{CE6537A1-D6FC-4f65-9D91-7224C49458BB}"/>
+                <c:ext xmlns:c15="http://schemas.microsoft.com/office/drawing/2012/chart" uri="{CE6537A1-D6FC-4f65-9D91-7224C49458BB}">
+                  <c15:layout/>
+                </c:ext>
               </c:extLst>
             </c:dLbl>
             <c:dLbl>
@@ -2283,7 +2293,9 @@
               <c:showPercent val="0"/>
               <c:showBubbleSize val="0"/>
               <c:extLst>
-                <c:ext xmlns:c15="http://schemas.microsoft.com/office/drawing/2012/chart" uri="{CE6537A1-D6FC-4f65-9D91-7224C49458BB}"/>
+                <c:ext xmlns:c15="http://schemas.microsoft.com/office/drawing/2012/chart" uri="{CE6537A1-D6FC-4f65-9D91-7224C49458BB}">
+                  <c15:layout/>
+                </c:ext>
               </c:extLst>
             </c:dLbl>
             <c:spPr>
@@ -2302,7 +2314,9 @@
             <c:showBubbleSize val="0"/>
             <c:showLeaderLines val="1"/>
             <c:extLst>
-              <c:ext xmlns:c15="http://schemas.microsoft.com/office/drawing/2012/chart" uri="{CE6537A1-D6FC-4f65-9D91-7224C49458BB}"/>
+              <c:ext xmlns:c15="http://schemas.microsoft.com/office/drawing/2012/chart" uri="{CE6537A1-D6FC-4f65-9D91-7224C49458BB}">
+                <c15:layout/>
+              </c:ext>
             </c:extLst>
           </c:dLbls>
           <c:cat>
@@ -2551,11 +2565,11 @@
           <c:showBubbleSize val="0"/>
         </c:dLbls>
         <c:gapWidth val="150"/>
-        <c:axId val="44245376"/>
-        <c:axId val="44246912"/>
+        <c:axId val="164879848"/>
+        <c:axId val="164880240"/>
       </c:barChart>
       <c:catAx>
-        <c:axId val="44245376"/>
+        <c:axId val="164879848"/>
         <c:scaling>
           <c:orientation val="minMax"/>
         </c:scaling>
@@ -2565,7 +2579,7 @@
         <c:majorTickMark val="out"/>
         <c:minorTickMark val="none"/>
         <c:tickLblPos val="nextTo"/>
-        <c:crossAx val="44246912"/>
+        <c:crossAx val="164880240"/>
         <c:crosses val="autoZero"/>
         <c:auto val="1"/>
         <c:lblAlgn val="ctr"/>
@@ -2573,7 +2587,7 @@
         <c:noMultiLvlLbl val="0"/>
       </c:catAx>
       <c:valAx>
-        <c:axId val="44246912"/>
+        <c:axId val="164880240"/>
         <c:scaling>
           <c:orientation val="minMax"/>
         </c:scaling>
@@ -2584,7 +2598,7 @@
         <c:majorTickMark val="out"/>
         <c:minorTickMark val="none"/>
         <c:tickLblPos val="nextTo"/>
-        <c:crossAx val="44245376"/>
+        <c:crossAx val="164879848"/>
         <c:crosses val="autoZero"/>
         <c:crossBetween val="between"/>
       </c:valAx>
@@ -2792,11 +2806,11 @@
           <c:showBubbleSize val="0"/>
         </c:dLbls>
         <c:gapWidth val="150"/>
-        <c:axId val="44433408"/>
-        <c:axId val="44434944"/>
+        <c:axId val="164881024"/>
+        <c:axId val="164881416"/>
       </c:barChart>
       <c:catAx>
-        <c:axId val="44433408"/>
+        <c:axId val="164881024"/>
         <c:scaling>
           <c:orientation val="minMax"/>
         </c:scaling>
@@ -2806,7 +2820,7 @@
         <c:majorTickMark val="out"/>
         <c:minorTickMark val="none"/>
         <c:tickLblPos val="nextTo"/>
-        <c:crossAx val="44434944"/>
+        <c:crossAx val="164881416"/>
         <c:crosses val="autoZero"/>
         <c:auto val="1"/>
         <c:lblAlgn val="ctr"/>
@@ -2814,7 +2828,7 @@
         <c:noMultiLvlLbl val="0"/>
       </c:catAx>
       <c:valAx>
-        <c:axId val="44434944"/>
+        <c:axId val="164881416"/>
         <c:scaling>
           <c:orientation val="minMax"/>
         </c:scaling>
@@ -2825,7 +2839,7 @@
         <c:majorTickMark val="out"/>
         <c:minorTickMark val="none"/>
         <c:tickLblPos val="nextTo"/>
-        <c:crossAx val="44433408"/>
+        <c:crossAx val="164881024"/>
         <c:crosses val="autoZero"/>
         <c:crossBetween val="between"/>
       </c:valAx>
@@ -3033,11 +3047,11 @@
           <c:showBubbleSize val="0"/>
         </c:dLbls>
         <c:gapWidth val="150"/>
-        <c:axId val="44567936"/>
-        <c:axId val="44573824"/>
+        <c:axId val="164882200"/>
+        <c:axId val="164882592"/>
       </c:barChart>
       <c:catAx>
-        <c:axId val="44567936"/>
+        <c:axId val="164882200"/>
         <c:scaling>
           <c:orientation val="minMax"/>
         </c:scaling>
@@ -3047,7 +3061,7 @@
         <c:majorTickMark val="out"/>
         <c:minorTickMark val="none"/>
         <c:tickLblPos val="nextTo"/>
-        <c:crossAx val="44573824"/>
+        <c:crossAx val="164882592"/>
         <c:crosses val="autoZero"/>
         <c:auto val="1"/>
         <c:lblAlgn val="ctr"/>
@@ -3055,7 +3069,7 @@
         <c:noMultiLvlLbl val="0"/>
       </c:catAx>
       <c:valAx>
-        <c:axId val="44573824"/>
+        <c:axId val="164882592"/>
         <c:scaling>
           <c:orientation val="minMax"/>
         </c:scaling>
@@ -3066,7 +3080,7 @@
         <c:majorTickMark val="out"/>
         <c:minorTickMark val="none"/>
         <c:tickLblPos val="nextTo"/>
-        <c:crossAx val="44567936"/>
+        <c:crossAx val="164882200"/>
         <c:crosses val="autoZero"/>
         <c:crossBetween val="between"/>
       </c:valAx>
@@ -3268,11 +3282,11 @@
           <c:showBubbleSize val="0"/>
         </c:dLbls>
         <c:gapWidth val="150"/>
-        <c:axId val="44604416"/>
-        <c:axId val="44622592"/>
+        <c:axId val="164883376"/>
+        <c:axId val="164883768"/>
       </c:barChart>
       <c:catAx>
-        <c:axId val="44604416"/>
+        <c:axId val="164883376"/>
         <c:scaling>
           <c:orientation val="minMax"/>
         </c:scaling>
@@ -3282,7 +3296,7 @@
         <c:majorTickMark val="out"/>
         <c:minorTickMark val="none"/>
         <c:tickLblPos val="nextTo"/>
-        <c:crossAx val="44622592"/>
+        <c:crossAx val="164883768"/>
         <c:crosses val="autoZero"/>
         <c:auto val="1"/>
         <c:lblAlgn val="ctr"/>
@@ -3290,7 +3304,7 @@
         <c:noMultiLvlLbl val="0"/>
       </c:catAx>
       <c:valAx>
-        <c:axId val="44622592"/>
+        <c:axId val="164883768"/>
         <c:scaling>
           <c:orientation val="minMax"/>
         </c:scaling>
@@ -3301,7 +3315,7 @@
         <c:majorTickMark val="out"/>
         <c:minorTickMark val="none"/>
         <c:tickLblPos val="nextTo"/>
-        <c:crossAx val="44604416"/>
+        <c:crossAx val="164883376"/>
         <c:crosses val="autoZero"/>
         <c:crossBetween val="between"/>
       </c:valAx>
@@ -3457,11 +3471,11 @@
           <c:showBubbleSize val="0"/>
         </c:dLbls>
         <c:gapWidth val="100"/>
-        <c:axId val="39851520"/>
-        <c:axId val="39853056"/>
+        <c:axId val="164884944"/>
+        <c:axId val="164885336"/>
       </c:barChart>
       <c:catAx>
-        <c:axId val="39851520"/>
+        <c:axId val="164884944"/>
         <c:scaling>
           <c:orientation val="minMax"/>
         </c:scaling>
@@ -3496,7 +3510,7 @@
             <a:endParaRPr lang="en-US"/>
           </a:p>
         </c:txPr>
-        <c:crossAx val="39853056"/>
+        <c:crossAx val="164885336"/>
         <c:crosses val="autoZero"/>
         <c:auto val="1"/>
         <c:lblAlgn val="ctr"/>
@@ -3506,7 +3520,7 @@
         <c:noMultiLvlLbl val="0"/>
       </c:catAx>
       <c:valAx>
-        <c:axId val="39853056"/>
+        <c:axId val="164885336"/>
         <c:scaling>
           <c:orientation val="minMax"/>
         </c:scaling>
@@ -3541,7 +3555,7 @@
             <a:endParaRPr lang="en-US"/>
           </a:p>
         </c:txPr>
-        <c:crossAx val="39851520"/>
+        <c:crossAx val="164884944"/>
         <c:crosses val="autoZero"/>
         <c:crossBetween val="between"/>
       </c:valAx>
@@ -3714,11 +3728,11 @@
           <c:showBubbleSize val="0"/>
         </c:dLbls>
         <c:gapWidth val="100"/>
-        <c:axId val="45326336"/>
-        <c:axId val="45327872"/>
+        <c:axId val="164886120"/>
+        <c:axId val="164886512"/>
       </c:barChart>
       <c:catAx>
-        <c:axId val="45326336"/>
+        <c:axId val="164886120"/>
         <c:scaling>
           <c:orientation val="minMax"/>
         </c:scaling>
@@ -3753,7 +3767,7 @@
             <a:endParaRPr lang="en-US"/>
           </a:p>
         </c:txPr>
-        <c:crossAx val="45327872"/>
+        <c:crossAx val="164886512"/>
         <c:crosses val="autoZero"/>
         <c:auto val="1"/>
         <c:lblAlgn val="ctr"/>
@@ -3763,7 +3777,7 @@
         <c:noMultiLvlLbl val="0"/>
       </c:catAx>
       <c:valAx>
-        <c:axId val="45327872"/>
+        <c:axId val="164886512"/>
         <c:scaling>
           <c:orientation val="minMax"/>
         </c:scaling>
@@ -3798,7 +3812,7 @@
             <a:endParaRPr lang="en-US"/>
           </a:p>
         </c:txPr>
-        <c:crossAx val="45326336"/>
+        <c:crossAx val="164886120"/>
         <c:crosses val="autoZero"/>
         <c:crossBetween val="between"/>
       </c:valAx>
@@ -13546,12 +13560,12 @@
           <a:graphicData uri="http://schemas.openxmlformats.org/presentationml/2006/ole">
             <mc:AlternateContent xmlns:mc="http://schemas.openxmlformats.org/markup-compatibility/2006">
               <mc:Choice xmlns:v="urn:schemas-microsoft-com:vml" Requires="v">
-                <p:oleObj spid="_x0000_s113781" name="Worksheet" r:id="rId4" imgW="7970434" imgH="4472994" progId="Excel.Sheet.8">
+                <p:oleObj spid="_x0000_s113784" name="Worksheet" r:id="rId3" imgW="7970434" imgH="4472994" progId="Excel.Sheet.8">
                   <p:embed/>
                 </p:oleObj>
               </mc:Choice>
               <mc:Fallback>
-                <p:oleObj name="Worksheet" r:id="rId4" imgW="7970434" imgH="4472994" progId="Excel.Sheet.8">
+                <p:oleObj name="Worksheet" r:id="rId3" imgW="7970434" imgH="4472994" progId="Excel.Sheet.8">
                   <p:embed/>
                   <p:pic>
                     <p:nvPicPr>
@@ -13562,7 +13576,7 @@
                       <p:nvPr/>
                     </p:nvPicPr>
                     <p:blipFill>
-                      <a:blip r:embed="rId5">
+                      <a:blip r:embed="rId4">
                         <a:extLst>
                           <a:ext uri="{28A0092B-C50C-407E-A947-70E740481C1C}">
                             <a14:useLocalDpi xmlns:a14="http://schemas.microsoft.com/office/drawing/2010/main" val="0"/>
@@ -13820,12 +13834,12 @@
           <a:graphicData uri="http://schemas.openxmlformats.org/presentationml/2006/ole">
             <mc:AlternateContent xmlns:mc="http://schemas.openxmlformats.org/markup-compatibility/2006">
               <mc:Choice xmlns:v="urn:schemas-microsoft-com:vml" Requires="v">
-                <p:oleObj spid="_x0000_s180341" name="Worksheet" r:id="rId4" imgW="7879021" imgH="4351074" progId="Excel.Sheet.8">
+                <p:oleObj spid="_x0000_s180344" name="Worksheet" r:id="rId3" imgW="7879021" imgH="4351074" progId="Excel.Sheet.8">
                   <p:embed/>
                 </p:oleObj>
               </mc:Choice>
               <mc:Fallback>
-                <p:oleObj name="Worksheet" r:id="rId4" imgW="7879021" imgH="4351074" progId="Excel.Sheet.8">
+                <p:oleObj name="Worksheet" r:id="rId3" imgW="7879021" imgH="4351074" progId="Excel.Sheet.8">
                   <p:embed/>
                   <p:pic>
                     <p:nvPicPr>
@@ -13836,7 +13850,7 @@
                       <p:nvPr/>
                     </p:nvPicPr>
                     <p:blipFill>
-                      <a:blip r:embed="rId5">
+                      <a:blip r:embed="rId4">
                         <a:extLst>
                           <a:ext uri="{28A0092B-C50C-407E-A947-70E740481C1C}">
                             <a14:useLocalDpi xmlns:a14="http://schemas.microsoft.com/office/drawing/2010/main" val="0"/>
@@ -14256,12 +14270,12 @@
           <a:graphicData uri="http://schemas.openxmlformats.org/presentationml/2006/ole">
             <mc:AlternateContent xmlns:mc="http://schemas.openxmlformats.org/markup-compatibility/2006">
               <mc:Choice xmlns:v="urn:schemas-microsoft-com:vml" Requires="v">
-                <p:oleObj spid="_x0000_s183413" name="Worksheet" r:id="rId4" imgW="7993342" imgH="4412034" progId="Excel.Sheet.8">
+                <p:oleObj spid="_x0000_s183416" name="Worksheet" r:id="rId3" imgW="7993342" imgH="4412034" progId="Excel.Sheet.8">
                   <p:embed/>
                 </p:oleObj>
               </mc:Choice>
               <mc:Fallback>
-                <p:oleObj name="Worksheet" r:id="rId4" imgW="7993342" imgH="4412034" progId="Excel.Sheet.8">
+                <p:oleObj name="Worksheet" r:id="rId3" imgW="7993342" imgH="4412034" progId="Excel.Sheet.8">
                   <p:embed/>
                   <p:pic>
                     <p:nvPicPr>
@@ -14272,7 +14286,7 @@
                       <p:nvPr/>
                     </p:nvPicPr>
                     <p:blipFill>
-                      <a:blip r:embed="rId5">
+                      <a:blip r:embed="rId4">
                         <a:extLst>
                           <a:ext uri="{28A0092B-C50C-407E-A947-70E740481C1C}">
                             <a14:useLocalDpi xmlns:a14="http://schemas.microsoft.com/office/drawing/2010/main" val="0"/>
@@ -17720,172 +17734,8 @@
             <a:pPr algn="l" eaLnBrk="1" hangingPunct="1"/>
             <a:r>
               <a:rPr lang="en-US" dirty="0" smtClean="0"/>
-              <a:t>Nobel prizes</a:t>
-            </a:r>
-          </a:p>
-        </p:txBody>
-      </p:sp>
-      <p:sp>
-        <p:nvSpPr>
-          <p:cNvPr id="4099" name="Rectangle 3"/>
-          <p:cNvSpPr>
-            <a:spLocks noGrp="1" noChangeArrowheads="1"/>
-          </p:cNvSpPr>
-          <p:nvPr>
-            <p:ph type="body" idx="1"/>
-          </p:nvPr>
-        </p:nvSpPr>
-        <p:spPr>
-          <a:xfrm>
-            <a:off x="457200" y="1549866"/>
-            <a:ext cx="7772400" cy="4525963"/>
-          </a:xfrm>
-        </p:spPr>
-        <p:txBody>
-          <a:bodyPr/>
-          <a:lstStyle/>
-          <a:p>
-            <a:pPr eaLnBrk="1" hangingPunct="1">
-              <a:spcBef>
-                <a:spcPts val="600"/>
-              </a:spcBef>
-            </a:pPr>
-            <a:r>
-              <a:rPr lang="en-US" sz="2400" dirty="0" smtClean="0"/>
-              <a:t>Eugene </a:t>
-            </a:r>
-            <a:r>
-              <a:rPr lang="en-US" sz="2400" dirty="0" err="1" smtClean="0"/>
-              <a:t>Fama</a:t>
-            </a:r>
-            <a:r>
-              <a:rPr lang="en-US" sz="2400" dirty="0" smtClean="0"/>
-              <a:t> </a:t>
-            </a:r>
-          </a:p>
-          <a:p>
-            <a:pPr lvl="1" eaLnBrk="1" hangingPunct="1">
-              <a:spcBef>
-                <a:spcPts val="600"/>
-              </a:spcBef>
-            </a:pPr>
-            <a:r>
-              <a:rPr lang="en-US" sz="2000" dirty="0" smtClean="0"/>
-              <a:t>Known for:  “efficient markets” [</a:t>
-            </a:r>
-            <a:r>
-              <a:rPr lang="en-US" sz="2000" dirty="0" smtClean="0">
-                <a:sym typeface="Symbol"/>
-              </a:rPr>
-              <a:t></a:t>
-            </a:r>
-            <a:r>
-              <a:rPr lang="en-US" sz="2000" dirty="0" smtClean="0"/>
-              <a:t> perfect markets]</a:t>
-            </a:r>
-          </a:p>
-          <a:p>
-            <a:pPr lvl="1" eaLnBrk="1" hangingPunct="1">
-              <a:spcBef>
-                <a:spcPts val="600"/>
-              </a:spcBef>
-            </a:pPr>
-            <a:r>
-              <a:rPr lang="en-US" sz="2000" dirty="0" smtClean="0"/>
-              <a:t>Bottom line:  diversify, keep costs low </a:t>
-            </a:r>
-          </a:p>
-          <a:p>
-            <a:pPr eaLnBrk="1" hangingPunct="1">
-              <a:spcBef>
-                <a:spcPts val="600"/>
-              </a:spcBef>
-            </a:pPr>
-            <a:r>
-              <a:rPr lang="en-US" sz="2400" dirty="0" smtClean="0"/>
-              <a:t>Robert </a:t>
-            </a:r>
-            <a:r>
-              <a:rPr lang="en-US" sz="2400" dirty="0" err="1" smtClean="0"/>
-              <a:t>Shiller</a:t>
-            </a:r>
-            <a:endParaRPr lang="en-US" sz="2400" dirty="0" smtClean="0"/>
-          </a:p>
-          <a:p>
-            <a:pPr lvl="1" eaLnBrk="1" hangingPunct="1">
-              <a:spcBef>
-                <a:spcPts val="600"/>
-              </a:spcBef>
-            </a:pPr>
-            <a:r>
-              <a:rPr lang="en-US" sz="2000" dirty="0" smtClean="0"/>
-              <a:t>Known for:  “irrational exuberance,” “behavioral finance” </a:t>
-            </a:r>
-          </a:p>
-          <a:p>
-            <a:pPr lvl="1" eaLnBrk="1" hangingPunct="1">
-              <a:spcBef>
-                <a:spcPts val="600"/>
-              </a:spcBef>
-            </a:pPr>
-            <a:r>
-              <a:rPr lang="en-US" sz="2000" dirty="0" smtClean="0"/>
-              <a:t>Bottom line:  stock prices vary more than dividends </a:t>
-            </a:r>
-            <a:r>
-              <a:rPr lang="en-US" sz="2000" dirty="0" smtClean="0">
-                <a:sym typeface="Symbol"/>
-              </a:rPr>
-              <a:t></a:t>
-            </a:r>
-            <a:r>
-              <a:rPr lang="en-US" sz="2000" dirty="0" smtClean="0"/>
-              <a:t> someone must be irrational </a:t>
-            </a:r>
-          </a:p>
-          <a:p>
-            <a:pPr eaLnBrk="1" hangingPunct="1">
-              <a:spcBef>
-                <a:spcPts val="600"/>
-              </a:spcBef>
-            </a:pPr>
-            <a:r>
-              <a:rPr lang="en-US" sz="2400" dirty="0" smtClean="0"/>
-              <a:t>Lars Hansen  </a:t>
-            </a:r>
-          </a:p>
-          <a:p>
-            <a:pPr lvl="1" eaLnBrk="1" hangingPunct="1">
-              <a:spcBef>
-                <a:spcPts val="600"/>
-              </a:spcBef>
-            </a:pPr>
-            <a:r>
-              <a:rPr lang="en-US" sz="2000" dirty="0" smtClean="0"/>
-              <a:t>Known for:  “pricing operators” </a:t>
-            </a:r>
-          </a:p>
-          <a:p>
-            <a:pPr lvl="1" eaLnBrk="1" hangingPunct="1">
-              <a:spcBef>
-                <a:spcPts val="600"/>
-              </a:spcBef>
-            </a:pPr>
-            <a:r>
-              <a:rPr lang="en-US" sz="2000" dirty="0" smtClean="0"/>
-              <a:t>Bottom line:  stock prices vary more than dividends </a:t>
-            </a:r>
-            <a:r>
-              <a:rPr lang="en-US" sz="2000" dirty="0" smtClean="0">
-                <a:sym typeface="Symbol"/>
-              </a:rPr>
-              <a:t></a:t>
-            </a:r>
-            <a:r>
-              <a:rPr lang="en-US" sz="2000" dirty="0" smtClean="0"/>
-              <a:t>      the action must be in the valuation </a:t>
-            </a:r>
-            <a:endParaRPr lang="en-US" dirty="0" smtClean="0"/>
+              <a:t>Red tape in Spain</a:t>
+            </a:r>
           </a:p>
         </p:txBody>
       </p:sp>
@@ -17912,6 +17762,71 @@
               <a:t>3</a:t>
             </a:fld>
             <a:endParaRPr lang="en-US" dirty="0"/>
+          </a:p>
+        </p:txBody>
+      </p:sp>
+      <p:sp>
+        <p:nvSpPr>
+          <p:cNvPr id="5" name="Content Placeholder 4"/>
+          <p:cNvSpPr>
+            <a:spLocks noGrp="1"/>
+          </p:cNvSpPr>
+          <p:nvPr>
+            <p:ph idx="1"/>
+          </p:nvPr>
+        </p:nvSpPr>
+        <p:spPr/>
+        <p:txBody>
+          <a:bodyPr/>
+          <a:lstStyle/>
+          <a:p>
+            <a:pPr algn="ctr">
+              <a:buNone/>
+            </a:pPr>
+            <a:endParaRPr lang="en-US" dirty="0" smtClean="0"/>
+          </a:p>
+          <a:p>
+            <a:pPr algn="ctr">
+              <a:buNone/>
+            </a:pPr>
+            <a:endParaRPr lang="en-US" dirty="0" smtClean="0"/>
+          </a:p>
+          <a:p>
+            <a:pPr algn="ctr">
+              <a:buNone/>
+            </a:pPr>
+            <a:endParaRPr lang="en-US" dirty="0" smtClean="0"/>
+          </a:p>
+        </p:txBody>
+      </p:sp>
+      <p:sp>
+        <p:nvSpPr>
+          <p:cNvPr id="6" name="Rectangle 5"/>
+          <p:cNvSpPr/>
+          <p:nvPr/>
+        </p:nvSpPr>
+        <p:spPr>
+          <a:xfrm>
+            <a:off x="2133600" y="2667000"/>
+            <a:ext cx="4650184" cy="461665"/>
+          </a:xfrm>
+          <a:prstGeom prst="rect">
+            <a:avLst/>
+          </a:prstGeom>
+        </p:spPr>
+        <p:txBody>
+          <a:bodyPr wrap="none">
+            <a:spAutoFit/>
+          </a:bodyPr>
+          <a:lstStyle/>
+          <a:p>
+            <a:pPr eaLnBrk="1" hangingPunct="1"/>
+            <a:r>
+              <a:rPr lang="en-US" sz="2400" dirty="0" smtClean="0">
+                <a:latin typeface="+mn-lt"/>
+              </a:rPr>
+              <a:t>http://youtu.be/0aHEKmuGmiM</a:t>
+            </a:r>
           </a:p>
         </p:txBody>
       </p:sp>
@@ -19293,7 +19208,7 @@
             <a:pPr algn="l" eaLnBrk="1" hangingPunct="1"/>
             <a:r>
               <a:rPr lang="en-US" dirty="0" smtClean="0"/>
-              <a:t>Red tape in Spain</a:t>
+              <a:t>Min wage</a:t>
             </a:r>
           </a:p>
         </p:txBody>
@@ -19367,7 +19282,7 @@
         <p:spPr>
           <a:xfrm>
             <a:off x="2133600" y="2667000"/>
-            <a:ext cx="4650184" cy="461665"/>
+            <a:ext cx="13767808" cy="461665"/>
           </a:xfrm>
           <a:prstGeom prst="rect">
             <a:avLst/>
@@ -19381,15 +19296,34 @@
           <a:p>
             <a:pPr eaLnBrk="1" hangingPunct="1"/>
             <a:r>
+              <a:rPr lang="en-US" sz="2400" dirty="0">
+                <a:latin typeface="+mn-lt"/>
+                <a:hlinkClick r:id="rId2"/>
+              </a:rPr>
+              <a:t>http://</a:t>
+            </a:r>
+            <a:r>
+              <a:rPr lang="en-US" sz="2400" dirty="0" smtClean="0">
+                <a:latin typeface="+mn-lt"/>
+                <a:hlinkClick r:id="rId2"/>
+              </a:rPr>
+              <a:t>conversableeconomist.blogspot.com/2014/08/international-minimum-wage-comparisons.html</a:t>
+            </a:r>
+            <a:r>
               <a:rPr lang="en-US" sz="2400" dirty="0" smtClean="0">
                 <a:latin typeface="+mn-lt"/>
               </a:rPr>
-              <a:t>http://youtu.be/0aHEKmuGmiM</a:t>
+              <a:t> </a:t>
             </a:r>
           </a:p>
         </p:txBody>
       </p:sp>
     </p:spTree>
+    <p:extLst>
+      <p:ext uri="{BB962C8B-B14F-4D97-AF65-F5344CB8AC3E}">
+        <p14:creationId xmlns:p14="http://schemas.microsoft.com/office/powerpoint/2010/main" val="1440434575"/>
+      </p:ext>
+    </p:extLst>
   </p:cSld>
   <p:clrMapOvr>
     <a:masterClrMapping/>
@@ -21812,8 +21746,86 @@
             <a:pPr algn="l" eaLnBrk="1" hangingPunct="1"/>
             <a:r>
               <a:rPr lang="en-US" dirty="0" smtClean="0"/>
-              <a:t>Min wage</a:t>
-            </a:r>
+              <a:t>Red tape in Spain </a:t>
+            </a:r>
+          </a:p>
+        </p:txBody>
+      </p:sp>
+      <p:sp>
+        <p:nvSpPr>
+          <p:cNvPr id="4099" name="Rectangle 3"/>
+          <p:cNvSpPr>
+            <a:spLocks noGrp="1" noChangeArrowheads="1"/>
+          </p:cNvSpPr>
+          <p:nvPr>
+            <p:ph type="body" idx="1"/>
+          </p:nvPr>
+        </p:nvSpPr>
+        <p:spPr>
+          <a:xfrm>
+            <a:off x="457200" y="1440809"/>
+            <a:ext cx="8229600" cy="4525963"/>
+          </a:xfrm>
+        </p:spPr>
+        <p:txBody>
+          <a:bodyPr/>
+          <a:lstStyle/>
+          <a:p>
+            <a:pPr eaLnBrk="1" hangingPunct="1">
+              <a:spcBef>
+                <a:spcPts val="1200"/>
+              </a:spcBef>
+              <a:spcAft>
+                <a:spcPts val="600"/>
+              </a:spcAft>
+            </a:pPr>
+            <a:r>
+              <a:rPr lang="en-US" sz="2400" dirty="0" smtClean="0"/>
+              <a:t>Spain ranks 136 (of 185) in ease of starting a business</a:t>
+            </a:r>
+          </a:p>
+          <a:p>
+            <a:pPr lvl="1" eaLnBrk="1" hangingPunct="1">
+              <a:spcBef>
+                <a:spcPts val="1200"/>
+              </a:spcBef>
+              <a:spcAft>
+                <a:spcPts val="0"/>
+              </a:spcAft>
+            </a:pPr>
+            <a:r>
+              <a:rPr lang="en-US" sz="2000" dirty="0" smtClean="0"/>
+              <a:t>Below Peru (60), Uzbekistan (90), and Nigeria (119) </a:t>
+            </a:r>
+          </a:p>
+          <a:p>
+            <a:pPr lvl="1" eaLnBrk="1" hangingPunct="1">
+              <a:spcBef>
+                <a:spcPts val="1200"/>
+              </a:spcBef>
+              <a:spcAft>
+                <a:spcPts val="0"/>
+              </a:spcAft>
+            </a:pPr>
+            <a:r>
+              <a:rPr lang="en-US" sz="2000" dirty="0" smtClean="0"/>
+              <a:t>Above Chad (181) and Haiti (183) </a:t>
+            </a:r>
+          </a:p>
+          <a:p>
+            <a:pPr eaLnBrk="1" hangingPunct="1">
+              <a:spcBef>
+                <a:spcPts val="1200"/>
+              </a:spcBef>
+              <a:spcAft>
+                <a:spcPts val="600"/>
+              </a:spcAft>
+            </a:pPr>
+            <a:r>
+              <a:rPr lang="en-US" sz="2400" dirty="0" smtClean="0"/>
+              <a:t>Source:  Doing Business </a:t>
+            </a:r>
+            <a:endParaRPr lang="en-US" sz="2000" dirty="0" smtClean="0"/>
           </a:p>
         </p:txBody>
       </p:sp>
@@ -21839,93 +21851,14 @@
               <a:pPr/>
               <a:t>5</a:t>
             </a:fld>
-            <a:endParaRPr lang="en-US" dirty="0"/>
-          </a:p>
-        </p:txBody>
-      </p:sp>
-      <p:sp>
-        <p:nvSpPr>
-          <p:cNvPr id="5" name="Content Placeholder 4"/>
-          <p:cNvSpPr>
-            <a:spLocks noGrp="1"/>
-          </p:cNvSpPr>
-          <p:nvPr>
-            <p:ph idx="1"/>
-          </p:nvPr>
-        </p:nvSpPr>
-        <p:spPr/>
-        <p:txBody>
-          <a:bodyPr/>
-          <a:lstStyle/>
-          <a:p>
-            <a:pPr algn="ctr">
-              <a:buNone/>
-            </a:pPr>
-            <a:endParaRPr lang="en-US" dirty="0" smtClean="0"/>
-          </a:p>
-          <a:p>
-            <a:pPr algn="ctr">
-              <a:buNone/>
-            </a:pPr>
-            <a:endParaRPr lang="en-US" dirty="0" smtClean="0"/>
-          </a:p>
-          <a:p>
-            <a:pPr algn="ctr">
-              <a:buNone/>
-            </a:pPr>
-            <a:endParaRPr lang="en-US" dirty="0" smtClean="0"/>
-          </a:p>
-        </p:txBody>
-      </p:sp>
-      <p:sp>
-        <p:nvSpPr>
-          <p:cNvPr id="6" name="Rectangle 5"/>
-          <p:cNvSpPr/>
-          <p:nvPr/>
-        </p:nvSpPr>
-        <p:spPr>
-          <a:xfrm>
-            <a:off x="2133600" y="2667000"/>
-            <a:ext cx="13767808" cy="461665"/>
-          </a:xfrm>
-          <a:prstGeom prst="rect">
-            <a:avLst/>
-          </a:prstGeom>
-        </p:spPr>
-        <p:txBody>
-          <a:bodyPr wrap="none">
-            <a:spAutoFit/>
-          </a:bodyPr>
-          <a:lstStyle/>
-          <a:p>
-            <a:pPr eaLnBrk="1" hangingPunct="1"/>
-            <a:r>
-              <a:rPr lang="en-US" sz="2400" dirty="0">
-                <a:latin typeface="+mn-lt"/>
-                <a:hlinkClick r:id="rId2"/>
-              </a:rPr>
-              <a:t>http://</a:t>
-            </a:r>
-            <a:r>
-              <a:rPr lang="en-US" sz="2400" dirty="0" smtClean="0">
-                <a:latin typeface="+mn-lt"/>
-                <a:hlinkClick r:id="rId2"/>
-              </a:rPr>
-              <a:t>conversableeconomist.blogspot.com/2014/08/international-minimum-wage-comparisons.html</a:t>
-            </a:r>
-            <a:r>
-              <a:rPr lang="en-US" sz="2400" dirty="0" smtClean="0">
-                <a:latin typeface="+mn-lt"/>
-              </a:rPr>
-              <a:t> </a:t>
-            </a:r>
+            <a:endParaRPr lang="en-US"/>
           </a:p>
         </p:txBody>
       </p:sp>
     </p:spTree>
     <p:extLst>
       <p:ext uri="{BB962C8B-B14F-4D97-AF65-F5344CB8AC3E}">
-        <p14:creationId xmlns:p14="http://schemas.microsoft.com/office/powerpoint/2010/main" val="1440434575"/>
+        <p14:creationId xmlns:p14="http://schemas.microsoft.com/office/powerpoint/2010/main" val="3714367045"/>
       </p:ext>
     </p:extLst>
   </p:cSld>
@@ -23012,7 +22945,7 @@
           <a:graphicData uri="http://schemas.openxmlformats.org/presentationml/2006/ole">
             <mc:AlternateContent xmlns:mc="http://schemas.openxmlformats.org/markup-compatibility/2006">
               <mc:Choice xmlns:v="urn:schemas-microsoft-com:vml" Requires="v">
-                <p:oleObj spid="_x0000_s71799" name="Chart" r:id="rId4" imgW="6096135" imgH="4057616" progId="MSGraph.Chart.8">
+                <p:oleObj spid="_x0000_s71802" name="Chart" r:id="rId4" imgW="6096135" imgH="4057616" progId="MSGraph.Chart.8">
                   <p:embed followColorScheme="full"/>
                 </p:oleObj>
               </mc:Choice>
@@ -23997,8 +23930,9 @@
             <a:pPr algn="l" eaLnBrk="1" hangingPunct="1"/>
             <a:r>
               <a:rPr lang="en-US" dirty="0" smtClean="0"/>
-              <a:t>Red tape in Spain </a:t>
-            </a:r>
+              <a:t>The minimum wage</a:t>
+            </a:r>
+            <a:endParaRPr lang="en-US" dirty="0" smtClean="0"/>
           </a:p>
         </p:txBody>
       </p:sp>
@@ -24032,8 +23966,9 @@
             </a:pPr>
             <a:r>
               <a:rPr lang="en-US" sz="2400" dirty="0" smtClean="0"/>
-              <a:t>Spain ranks 136 (of 185) in ease of starting a business</a:t>
-            </a:r>
+              <a:t>Milton Friedman</a:t>
+            </a:r>
+            <a:endParaRPr lang="en-US" sz="2400" dirty="0" smtClean="0"/>
           </a:p>
           <a:p>
             <a:pPr lvl="1" eaLnBrk="1" hangingPunct="1">
@@ -24046,21 +23981,7 @@
             </a:pPr>
             <a:r>
               <a:rPr lang="en-US" sz="2000" dirty="0" smtClean="0"/>
-              <a:t>Below Peru (60), Uzbekistan (90), and Nigeria (119) </a:t>
-            </a:r>
-          </a:p>
-          <a:p>
-            <a:pPr lvl="1" eaLnBrk="1" hangingPunct="1">
-              <a:spcBef>
-                <a:spcPts val="1200"/>
-              </a:spcBef>
-              <a:spcAft>
-                <a:spcPts val="0"/>
-              </a:spcAft>
-            </a:pPr>
-            <a:r>
-              <a:rPr lang="en-US" sz="2000" dirty="0" smtClean="0"/>
-              <a:t>Above Chad (181) and Haiti (183) </a:t>
+              <a:t>The minimum wage is discrimination against poor people with low skills. </a:t>
             </a:r>
           </a:p>
           <a:p>
@@ -24074,7 +23995,7 @@
             </a:pPr>
             <a:r>
               <a:rPr lang="en-US" sz="2400" dirty="0" smtClean="0"/>
-              <a:t>Source:  Doing Business </a:t>
+              <a:t>What does he mean?  Do you agree?  Why or why not?</a:t>
             </a:r>
             <a:endParaRPr lang="en-US" sz="2000" dirty="0" smtClean="0"/>
           </a:p>
@@ -24109,7 +24030,7 @@
     </p:spTree>
     <p:extLst>
       <p:ext uri="{BB962C8B-B14F-4D97-AF65-F5344CB8AC3E}">
-        <p14:creationId xmlns:p14="http://schemas.microsoft.com/office/powerpoint/2010/main" val="3714367045"/>
+        <p14:creationId xmlns:p14="http://schemas.microsoft.com/office/powerpoint/2010/main" val="2151327283"/>
       </p:ext>
     </p:extLst>
   </p:cSld>
@@ -26670,34 +26591,32 @@
       </p:sp>
       <p:pic>
         <p:nvPicPr>
-          <p:cNvPr id="3075" name="Picture 4" descr="Logo3"/>
+          <p:cNvPr id="4" name="Picture 3"/>
           <p:cNvPicPr>
-            <a:picLocks noChangeAspect="1" noChangeArrowheads="1"/>
+            <a:picLocks noChangeAspect="1"/>
           </p:cNvPicPr>
           <p:nvPr/>
         </p:nvPicPr>
         <p:blipFill>
-          <a:blip r:embed="rId3"/>
-          <a:srcRect/>
+          <a:blip r:embed="rId3">
+            <a:extLst>
+              <a:ext uri="{28A0092B-C50C-407E-A947-70E740481C1C}">
+                <a14:useLocalDpi xmlns:a14="http://schemas.microsoft.com/office/drawing/2010/main" val="0"/>
+              </a:ext>
+            </a:extLst>
+          </a:blip>
           <a:stretch>
             <a:fillRect/>
           </a:stretch>
         </p:blipFill>
-        <p:spPr bwMode="auto">
+        <p:spPr>
           <a:xfrm>
-            <a:off x="6553200" y="6172200"/>
-            <a:ext cx="2209800" cy="465138"/>
+            <a:off x="6172200" y="6281758"/>
+            <a:ext cx="2619375" cy="433367"/>
           </a:xfrm>
           <a:prstGeom prst="rect">
             <a:avLst/>
           </a:prstGeom>
-          <a:noFill/>
-          <a:ln w="9525">
-            <a:noFill/>
-            <a:miter lim="800000"/>
-            <a:headEnd/>
-            <a:tailEnd/>
-          </a:ln>
         </p:spPr>
       </p:pic>
     </p:spTree>
